--- a/My Dashboards_Resume.pptx
+++ b/My Dashboards_Resume.pptx
@@ -10236,13 +10236,13 @@
   <p:clrMapOvr>
     <a:masterClrMapping/>
   </p:clrMapOvr>
-  <mc:AlternateContent xmlns:mc="http://schemas.openxmlformats.org/markup-compatibility/2006">
-    <mc:Choice xmlns:p14="http://schemas.microsoft.com/office/powerpoint/2010/main" Requires="p14">
+  <mc:AlternateContent xmlns:mc="http://schemas.openxmlformats.org/markup-compatibility/2006" xmlns:p14="http://schemas.microsoft.com/office/powerpoint/2010/main">
+    <mc:Choice Requires="p14">
       <p:transition spd="slow" p14:dur="1500">
         <p:split orient="vert"/>
       </p:transition>
     </mc:Choice>
-    <mc:Fallback>
+    <mc:Fallback xmlns="">
       <p:transition spd="slow">
         <p:split orient="vert"/>
       </p:transition>
@@ -10345,14 +10345,10 @@
   </p:clrMapOvr>
   <mc:AlternateContent xmlns:mc="http://schemas.openxmlformats.org/markup-compatibility/2006">
     <mc:Choice xmlns:p14="http://schemas.microsoft.com/office/powerpoint/2010/main" Requires="p14">
-      <p:transition spd="slow" p14:dur="3400">
-        <p14:reveal/>
-      </p:transition>
+      <p:transition p14:dur="0"/>
     </mc:Choice>
     <mc:Fallback>
-      <p:transition spd="slow">
-        <p:fade/>
-      </p:transition>
+      <p:transition/>
     </mc:Fallback>
   </mc:AlternateContent>
   <p:timing>
@@ -10448,9 +10444,14 @@
   <p:clrMapOvr>
     <a:masterClrMapping/>
   </p:clrMapOvr>
-  <p:transition spd="slow">
-    <p:pull/>
-  </p:transition>
+  <mc:AlternateContent xmlns:mc="http://schemas.openxmlformats.org/markup-compatibility/2006">
+    <mc:Choice xmlns:p14="http://schemas.microsoft.com/office/powerpoint/2010/main" Requires="p14">
+      <p:transition p14:dur="0"/>
+    </mc:Choice>
+    <mc:Fallback>
+      <p:transition/>
+    </mc:Fallback>
+  </mc:AlternateContent>
   <p:timing>
     <p:tnLst>
       <p:par>
@@ -10544,9 +10545,14 @@
   <p:clrMapOvr>
     <a:masterClrMapping/>
   </p:clrMapOvr>
-  <p:transition spd="slow">
-    <p:cover/>
-  </p:transition>
+  <mc:AlternateContent xmlns:mc="http://schemas.openxmlformats.org/markup-compatibility/2006">
+    <mc:Choice xmlns:p14="http://schemas.microsoft.com/office/powerpoint/2010/main" Requires="p14">
+      <p:transition p14:dur="0"/>
+    </mc:Choice>
+    <mc:Fallback>
+      <p:transition/>
+    </mc:Fallback>
+  </mc:AlternateContent>
   <p:timing>
     <p:tnLst>
       <p:par>
@@ -10640,9 +10646,14 @@
   <p:clrMapOvr>
     <a:masterClrMapping/>
   </p:clrMapOvr>
-  <p:transition spd="slow">
-    <p:pull/>
-  </p:transition>
+  <mc:AlternateContent xmlns:mc="http://schemas.openxmlformats.org/markup-compatibility/2006">
+    <mc:Choice xmlns:p14="http://schemas.microsoft.com/office/powerpoint/2010/main" Requires="p14">
+      <p:transition p14:dur="0"/>
+    </mc:Choice>
+    <mc:Fallback>
+      <p:transition/>
+    </mc:Fallback>
+  </mc:AlternateContent>
   <p:timing>
     <p:tnLst>
       <p:par>
@@ -11026,14 +11037,10 @@
   </p:clrMapOvr>
   <mc:AlternateContent xmlns:mc="http://schemas.openxmlformats.org/markup-compatibility/2006">
     <mc:Choice xmlns:p14="http://schemas.microsoft.com/office/powerpoint/2010/main" Requires="p14">
-      <p:transition spd="slow" p14:dur="3400">
-        <p14:reveal/>
-      </p:transition>
+      <p:transition p14:dur="0"/>
     </mc:Choice>
     <mc:Fallback>
-      <p:transition spd="slow">
-        <p:fade/>
-      </p:transition>
+      <p:transition/>
     </mc:Fallback>
   </mc:AlternateContent>
   <p:timing>
@@ -11131,9 +11138,14 @@
   <p:clrMapOvr>
     <a:masterClrMapping/>
   </p:clrMapOvr>
-  <p:transition spd="slow">
-    <p:push dir="u"/>
-  </p:transition>
+  <mc:AlternateContent xmlns:mc="http://schemas.openxmlformats.org/markup-compatibility/2006">
+    <mc:Choice xmlns:p14="http://schemas.microsoft.com/office/powerpoint/2010/main" Requires="p14">
+      <p:transition p14:dur="0"/>
+    </mc:Choice>
+    <mc:Fallback>
+      <p:transition/>
+    </mc:Fallback>
+  </mc:AlternateContent>
   <p:timing>
     <p:tnLst>
       <p:par>
@@ -11229,9 +11241,14 @@
   <p:clrMapOvr>
     <a:masterClrMapping/>
   </p:clrMapOvr>
-  <p:transition spd="slow">
-    <p:wipe/>
-  </p:transition>
+  <mc:AlternateContent xmlns:mc="http://schemas.openxmlformats.org/markup-compatibility/2006">
+    <mc:Choice xmlns:p14="http://schemas.microsoft.com/office/powerpoint/2010/main" Requires="p14">
+      <p:transition p14:dur="0"/>
+    </mc:Choice>
+    <mc:Fallback>
+      <p:transition/>
+    </mc:Fallback>
+  </mc:AlternateContent>
   <p:timing>
     <p:tnLst>
       <p:par>
@@ -11327,14 +11344,10 @@
   </p:clrMapOvr>
   <mc:AlternateContent xmlns:mc="http://schemas.openxmlformats.org/markup-compatibility/2006">
     <mc:Choice xmlns:p14="http://schemas.microsoft.com/office/powerpoint/2010/main" Requires="p14">
-      <p:transition spd="med" p14:dur="700">
-        <p:fade/>
-      </p:transition>
+      <p:transition p14:dur="0"/>
     </mc:Choice>
     <mc:Fallback>
-      <p:transition spd="med">
-        <p:fade/>
-      </p:transition>
+      <p:transition/>
     </mc:Fallback>
   </mc:AlternateContent>
   <p:timing>
@@ -11430,9 +11443,14 @@
   <p:clrMapOvr>
     <a:masterClrMapping/>
   </p:clrMapOvr>
-  <p:transition spd="slow">
-    <p:push dir="u"/>
-  </p:transition>
+  <mc:AlternateContent xmlns:mc="http://schemas.openxmlformats.org/markup-compatibility/2006">
+    <mc:Choice xmlns:p14="http://schemas.microsoft.com/office/powerpoint/2010/main" Requires="p14">
+      <p:transition p14:dur="0"/>
+    </mc:Choice>
+    <mc:Fallback>
+      <p:transition/>
+    </mc:Fallback>
+  </mc:AlternateContent>
   <p:timing>
     <p:tnLst>
       <p:par>
